--- a/talks/twitterAPI/twitterAPI.pptx
+++ b/talks/twitterAPI/twitterAPI.pptx
@@ -26,7 +26,10 @@
     <p:sldId id="276" r:id="rId20"/>
     <p:sldId id="277" r:id="rId21"/>
     <p:sldId id="278" r:id="rId22"/>
-    <p:sldId id="279" r:id="rId23"/>
+    <p:sldId id="280" r:id="rId23"/>
+    <p:sldId id="281" r:id="rId24"/>
+    <p:sldId id="282" r:id="rId25"/>
+    <p:sldId id="279" r:id="rId26"/>
   </p:sldIdLst>
   <p:sldSz cx="9144000" cy="6858000" type="screen4x3"/>
   <p:notesSz cx="6858000" cy="9144000"/>
@@ -1314,6 +1317,13 @@
         </dgm:presLayoutVars>
       </dgm:prSet>
       <dgm:spPr/>
+      <dgm:t>
+        <a:bodyPr/>
+        <a:lstStyle/>
+        <a:p>
+          <a:endParaRPr lang="en-US"/>
+        </a:p>
+      </dgm:t>
     </dgm:pt>
     <dgm:pt modelId="{10FC1BE0-7249-4F68-A071-784E4174B553}" type="pres">
       <dgm:prSet presAssocID="{A9345B28-922B-4261-9445-2418BC64CAF9}" presName="compNode" presStyleCnt="0"/>
@@ -1348,6 +1358,13 @@
     <dgm:pt modelId="{9F154936-CF8B-4D0E-A5C3-16CCE8CCE533}" type="pres">
       <dgm:prSet presAssocID="{07370C4B-5247-4FA3-AAEA-29621DDDCF27}" presName="sibTrans" presStyleLbl="sibTrans2D1" presStyleIdx="0" presStyleCnt="0"/>
       <dgm:spPr/>
+      <dgm:t>
+        <a:bodyPr/>
+        <a:lstStyle/>
+        <a:p>
+          <a:endParaRPr lang="en-US"/>
+        </a:p>
+      </dgm:t>
     </dgm:pt>
     <dgm:pt modelId="{F8D485F2-6F62-4236-9ECC-9ABD682FC022}" type="pres">
       <dgm:prSet presAssocID="{9A1C4B96-5034-4C51-B8B8-F370C3EB80D6}" presName="compNode" presStyleCnt="0"/>
@@ -1382,6 +1399,13 @@
     <dgm:pt modelId="{35641610-5846-45CE-A027-68DA0479E6DA}" type="pres">
       <dgm:prSet presAssocID="{161841C8-EBDA-4819-B372-B2835336AF30}" presName="sibTrans" presStyleLbl="sibTrans2D1" presStyleIdx="0" presStyleCnt="0"/>
       <dgm:spPr/>
+      <dgm:t>
+        <a:bodyPr/>
+        <a:lstStyle/>
+        <a:p>
+          <a:endParaRPr lang="en-US"/>
+        </a:p>
+      </dgm:t>
     </dgm:pt>
     <dgm:pt modelId="{703E6B38-4EBD-4038-96CC-B9A162C2C98F}" type="pres">
       <dgm:prSet presAssocID="{ED1C8DA6-4570-44BF-90A9-5BD785F62272}" presName="compNode" presStyleCnt="0"/>
@@ -1415,29 +1439,29 @@
     </dgm:pt>
   </dgm:ptLst>
   <dgm:cxnLst>
+    <dgm:cxn modelId="{64C2F1F8-64E1-46B2-A7A0-F1A9813D969C}" srcId="{13A3FB10-09F6-48CB-9FA4-5DE8B65DFD28}" destId="{9A1C4B96-5034-4C51-B8B8-F370C3EB80D6}" srcOrd="1" destOrd="0" parTransId="{473BDAC3-DDB7-4335-AB17-5EF03B4258C8}" sibTransId="{161841C8-EBDA-4819-B372-B2835336AF30}"/>
+    <dgm:cxn modelId="{06DA2499-C72A-4F42-B552-CF93D9472114}" type="presOf" srcId="{D2DC0EC2-1493-43C5-BC70-0F214D60F161}" destId="{6C2DDD47-2A38-43E6-8688-30F114C7CC26}" srcOrd="0" destOrd="1" presId="urn:microsoft.com/office/officeart/2005/8/layout/pList1"/>
+    <dgm:cxn modelId="{7E8394E1-051B-46EA-9165-B526EAF2A193}" type="presOf" srcId="{D4E56D4C-00FC-43B6-968F-56A7291CBAE4}" destId="{46EC1C66-59C4-46B9-952B-7159CD8D7A40}" srcOrd="0" destOrd="1" presId="urn:microsoft.com/office/officeart/2005/8/layout/pList1"/>
+    <dgm:cxn modelId="{AA1275C3-9234-4BCF-A016-2ACB391AD043}" type="presOf" srcId="{07370C4B-5247-4FA3-AAEA-29621DDDCF27}" destId="{9F154936-CF8B-4D0E-A5C3-16CCE8CCE533}" srcOrd="0" destOrd="0" presId="urn:microsoft.com/office/officeart/2005/8/layout/pList1"/>
+    <dgm:cxn modelId="{172D570E-CFC6-4350-921E-19F039A9E801}" type="presOf" srcId="{A9345B28-922B-4261-9445-2418BC64CAF9}" destId="{E66C5A20-5528-4CE0-B3D4-125745633157}" srcOrd="0" destOrd="0" presId="urn:microsoft.com/office/officeart/2005/8/layout/pList1"/>
+    <dgm:cxn modelId="{953202BD-E882-4AF7-923E-546B918C10E2}" type="presOf" srcId="{161841C8-EBDA-4819-B372-B2835336AF30}" destId="{35641610-5846-45CE-A027-68DA0479E6DA}" srcOrd="0" destOrd="0" presId="urn:microsoft.com/office/officeart/2005/8/layout/pList1"/>
+    <dgm:cxn modelId="{ABF7FB4C-21CC-4D42-9FC8-E6BEC0DADF6A}" srcId="{13A3FB10-09F6-48CB-9FA4-5DE8B65DFD28}" destId="{A9345B28-922B-4261-9445-2418BC64CAF9}" srcOrd="0" destOrd="0" parTransId="{A1E1E15E-684F-40DF-8BF7-169968CA2661}" sibTransId="{07370C4B-5247-4FA3-AAEA-29621DDDCF27}"/>
+    <dgm:cxn modelId="{FE31F4B9-2A1C-4CAB-8BF6-1ED84E0D82CE}" srcId="{A9345B28-922B-4261-9445-2418BC64CAF9}" destId="{6B63AD7E-428A-4F1E-A9F4-C0DECAEE614A}" srcOrd="0" destOrd="0" parTransId="{2899D8B4-6298-4D6E-90F3-8EC1FE7D5EBD}" sibTransId="{FD714405-05F6-402C-8F30-BC99FC285A9D}"/>
+    <dgm:cxn modelId="{8C8481AE-5B33-4155-80E5-1584FEBD9D1F}" srcId="{ED1C8DA6-4570-44BF-90A9-5BD785F62272}" destId="{6AEBC7A1-05B1-4864-AF9A-F5E59A3AB510}" srcOrd="1" destOrd="0" parTransId="{EE9979DF-B998-447C-9AFA-FDE535B8B9B9}" sibTransId="{53245BBB-E4F0-44A9-BCCB-AF9248739554}"/>
+    <dgm:cxn modelId="{0A60B957-2DC7-4E08-A5AF-4640B01237DF}" type="presOf" srcId="{ED1C8DA6-4570-44BF-90A9-5BD785F62272}" destId="{6C2DDD47-2A38-43E6-8688-30F114C7CC26}" srcOrd="0" destOrd="0" presId="urn:microsoft.com/office/officeart/2005/8/layout/pList1"/>
+    <dgm:cxn modelId="{ECCCD0B6-AFDD-4CDF-A529-E842A3C25B65}" type="presOf" srcId="{6AEBC7A1-05B1-4864-AF9A-F5E59A3AB510}" destId="{6C2DDD47-2A38-43E6-8688-30F114C7CC26}" srcOrd="0" destOrd="2" presId="urn:microsoft.com/office/officeart/2005/8/layout/pList1"/>
     <dgm:cxn modelId="{5F6DD65C-170C-4B0D-BB20-619B08194D1D}" srcId="{13A3FB10-09F6-48CB-9FA4-5DE8B65DFD28}" destId="{ED1C8DA6-4570-44BF-90A9-5BD785F62272}" srcOrd="2" destOrd="0" parTransId="{E09245A3-5209-4536-8FAF-A9D00B11790F}" sibTransId="{0E67BF34-0711-42CF-9608-3C3D2F037B8A}"/>
+    <dgm:cxn modelId="{C9C16171-1EEE-4747-A59D-5827BF87540B}" type="presOf" srcId="{1F288624-896E-4129-A9F8-9C8EDF27E906}" destId="{E66C5A20-5528-4CE0-B3D4-125745633157}" srcOrd="0" destOrd="2" presId="urn:microsoft.com/office/officeart/2005/8/layout/pList1"/>
+    <dgm:cxn modelId="{EECB6AD7-B1CF-46EC-ACB2-868D1413F86D}" srcId="{A9345B28-922B-4261-9445-2418BC64CAF9}" destId="{34220190-CC16-4CAD-9DF5-C51F0555E73F}" srcOrd="2" destOrd="0" parTransId="{BFC79720-23B5-4D0C-95A3-A099A671CB61}" sibTransId="{D81E414E-3E0D-476C-9A98-5454E1C8C8EC}"/>
+    <dgm:cxn modelId="{0498E934-8218-400F-B336-04D2EF0126A4}" srcId="{9A1C4B96-5034-4C51-B8B8-F370C3EB80D6}" destId="{341C8CB0-B3D9-4084-9BE7-C9FD713E8D96}" srcOrd="1" destOrd="0" parTransId="{E1199672-4513-4C80-8941-8FAB920AD27D}" sibTransId="{9F37A530-FFB1-44F5-81D6-1B620781EB70}"/>
+    <dgm:cxn modelId="{7CACBBC6-668D-4820-B7B3-4D4C19C86C84}" type="presOf" srcId="{13A3FB10-09F6-48CB-9FA4-5DE8B65DFD28}" destId="{C968BC62-B4D5-4D0F-AD13-9CD5CD0B4629}" srcOrd="0" destOrd="0" presId="urn:microsoft.com/office/officeart/2005/8/layout/pList1"/>
+    <dgm:cxn modelId="{CF105248-64BA-4470-B1FA-D1162137B2E4}" type="presOf" srcId="{9A1C4B96-5034-4C51-B8B8-F370C3EB80D6}" destId="{46EC1C66-59C4-46B9-952B-7159CD8D7A40}" srcOrd="0" destOrd="0" presId="urn:microsoft.com/office/officeart/2005/8/layout/pList1"/>
+    <dgm:cxn modelId="{B71331EC-F02F-4001-B77C-86C3E2807EE2}" srcId="{ED1C8DA6-4570-44BF-90A9-5BD785F62272}" destId="{D2DC0EC2-1493-43C5-BC70-0F214D60F161}" srcOrd="0" destOrd="0" parTransId="{C7887B57-8755-4D56-98DA-371AE1AD3352}" sibTransId="{BB827B36-79E4-45E6-A5ED-D31FBCE2FE43}"/>
     <dgm:cxn modelId="{05D3AD8D-D9D7-417A-9BE1-E0665E45E74C}" type="presOf" srcId="{34220190-CC16-4CAD-9DF5-C51F0555E73F}" destId="{E66C5A20-5528-4CE0-B3D4-125745633157}" srcOrd="0" destOrd="3" presId="urn:microsoft.com/office/officeart/2005/8/layout/pList1"/>
-    <dgm:cxn modelId="{172D570E-CFC6-4350-921E-19F039A9E801}" type="presOf" srcId="{A9345B28-922B-4261-9445-2418BC64CAF9}" destId="{E66C5A20-5528-4CE0-B3D4-125745633157}" srcOrd="0" destOrd="0" presId="urn:microsoft.com/office/officeart/2005/8/layout/pList1"/>
-    <dgm:cxn modelId="{06DA2499-C72A-4F42-B552-CF93D9472114}" type="presOf" srcId="{D2DC0EC2-1493-43C5-BC70-0F214D60F161}" destId="{6C2DDD47-2A38-43E6-8688-30F114C7CC26}" srcOrd="0" destOrd="1" presId="urn:microsoft.com/office/officeart/2005/8/layout/pList1"/>
-    <dgm:cxn modelId="{64C2F1F8-64E1-46B2-A7A0-F1A9813D969C}" srcId="{13A3FB10-09F6-48CB-9FA4-5DE8B65DFD28}" destId="{9A1C4B96-5034-4C51-B8B8-F370C3EB80D6}" srcOrd="1" destOrd="0" parTransId="{473BDAC3-DDB7-4335-AB17-5EF03B4258C8}" sibTransId="{161841C8-EBDA-4819-B372-B2835336AF30}"/>
-    <dgm:cxn modelId="{7E8394E1-051B-46EA-9165-B526EAF2A193}" type="presOf" srcId="{D4E56D4C-00FC-43B6-968F-56A7291CBAE4}" destId="{46EC1C66-59C4-46B9-952B-7159CD8D7A40}" srcOrd="0" destOrd="1" presId="urn:microsoft.com/office/officeart/2005/8/layout/pList1"/>
-    <dgm:cxn modelId="{B71331EC-F02F-4001-B77C-86C3E2807EE2}" srcId="{ED1C8DA6-4570-44BF-90A9-5BD785F62272}" destId="{D2DC0EC2-1493-43C5-BC70-0F214D60F161}" srcOrd="0" destOrd="0" parTransId="{C7887B57-8755-4D56-98DA-371AE1AD3352}" sibTransId="{BB827B36-79E4-45E6-A5ED-D31FBCE2FE43}"/>
     <dgm:cxn modelId="{FDE20E47-3D72-456B-8CF9-A1A7AE5F1A0C}" srcId="{9A1C4B96-5034-4C51-B8B8-F370C3EB80D6}" destId="{D4E56D4C-00FC-43B6-968F-56A7291CBAE4}" srcOrd="0" destOrd="0" parTransId="{687DAEEF-EC08-4367-ADC6-BA484D85F98D}" sibTransId="{0F686E9E-6182-40C0-8704-C03C1D8814AE}"/>
-    <dgm:cxn modelId="{953202BD-E882-4AF7-923E-546B918C10E2}" type="presOf" srcId="{161841C8-EBDA-4819-B372-B2835336AF30}" destId="{35641610-5846-45CE-A027-68DA0479E6DA}" srcOrd="0" destOrd="0" presId="urn:microsoft.com/office/officeart/2005/8/layout/pList1"/>
-    <dgm:cxn modelId="{AA1275C3-9234-4BCF-A016-2ACB391AD043}" type="presOf" srcId="{07370C4B-5247-4FA3-AAEA-29621DDDCF27}" destId="{9F154936-CF8B-4D0E-A5C3-16CCE8CCE533}" srcOrd="0" destOrd="0" presId="urn:microsoft.com/office/officeart/2005/8/layout/pList1"/>
-    <dgm:cxn modelId="{C9C16171-1EEE-4747-A59D-5827BF87540B}" type="presOf" srcId="{1F288624-896E-4129-A9F8-9C8EDF27E906}" destId="{E66C5A20-5528-4CE0-B3D4-125745633157}" srcOrd="0" destOrd="2" presId="urn:microsoft.com/office/officeart/2005/8/layout/pList1"/>
+    <dgm:cxn modelId="{C1D1C773-9F7D-4DFE-AA68-7C63FA3922DB}" type="presOf" srcId="{6B63AD7E-428A-4F1E-A9F4-C0DECAEE614A}" destId="{E66C5A20-5528-4CE0-B3D4-125745633157}" srcOrd="0" destOrd="1" presId="urn:microsoft.com/office/officeart/2005/8/layout/pList1"/>
     <dgm:cxn modelId="{56EE3E4A-C4D8-4924-8D86-094C6DE71C37}" type="presOf" srcId="{341C8CB0-B3D9-4084-9BE7-C9FD713E8D96}" destId="{46EC1C66-59C4-46B9-952B-7159CD8D7A40}" srcOrd="0" destOrd="2" presId="urn:microsoft.com/office/officeart/2005/8/layout/pList1"/>
-    <dgm:cxn modelId="{EECB6AD7-B1CF-46EC-ACB2-868D1413F86D}" srcId="{A9345B28-922B-4261-9445-2418BC64CAF9}" destId="{34220190-CC16-4CAD-9DF5-C51F0555E73F}" srcOrd="2" destOrd="0" parTransId="{BFC79720-23B5-4D0C-95A3-A099A671CB61}" sibTransId="{D81E414E-3E0D-476C-9A98-5454E1C8C8EC}"/>
-    <dgm:cxn modelId="{C1D1C773-9F7D-4DFE-AA68-7C63FA3922DB}" type="presOf" srcId="{6B63AD7E-428A-4F1E-A9F4-C0DECAEE614A}" destId="{E66C5A20-5528-4CE0-B3D4-125745633157}" srcOrd="0" destOrd="1" presId="urn:microsoft.com/office/officeart/2005/8/layout/pList1"/>
-    <dgm:cxn modelId="{0A60B957-2DC7-4E08-A5AF-4640B01237DF}" type="presOf" srcId="{ED1C8DA6-4570-44BF-90A9-5BD785F62272}" destId="{6C2DDD47-2A38-43E6-8688-30F114C7CC26}" srcOrd="0" destOrd="0" presId="urn:microsoft.com/office/officeart/2005/8/layout/pList1"/>
-    <dgm:cxn modelId="{7CACBBC6-668D-4820-B7B3-4D4C19C86C84}" type="presOf" srcId="{13A3FB10-09F6-48CB-9FA4-5DE8B65DFD28}" destId="{C968BC62-B4D5-4D0F-AD13-9CD5CD0B4629}" srcOrd="0" destOrd="0" presId="urn:microsoft.com/office/officeart/2005/8/layout/pList1"/>
-    <dgm:cxn modelId="{8C8481AE-5B33-4155-80E5-1584FEBD9D1F}" srcId="{ED1C8DA6-4570-44BF-90A9-5BD785F62272}" destId="{6AEBC7A1-05B1-4864-AF9A-F5E59A3AB510}" srcOrd="1" destOrd="0" parTransId="{EE9979DF-B998-447C-9AFA-FDE535B8B9B9}" sibTransId="{53245BBB-E4F0-44A9-BCCB-AF9248739554}"/>
-    <dgm:cxn modelId="{ABF7FB4C-21CC-4D42-9FC8-E6BEC0DADF6A}" srcId="{13A3FB10-09F6-48CB-9FA4-5DE8B65DFD28}" destId="{A9345B28-922B-4261-9445-2418BC64CAF9}" srcOrd="0" destOrd="0" parTransId="{A1E1E15E-684F-40DF-8BF7-169968CA2661}" sibTransId="{07370C4B-5247-4FA3-AAEA-29621DDDCF27}"/>
-    <dgm:cxn modelId="{0498E934-8218-400F-B336-04D2EF0126A4}" srcId="{9A1C4B96-5034-4C51-B8B8-F370C3EB80D6}" destId="{341C8CB0-B3D9-4084-9BE7-C9FD713E8D96}" srcOrd="1" destOrd="0" parTransId="{E1199672-4513-4C80-8941-8FAB920AD27D}" sibTransId="{9F37A530-FFB1-44F5-81D6-1B620781EB70}"/>
     <dgm:cxn modelId="{B29F74CA-4CA6-4404-BFD4-DD59B0E9933C}" srcId="{A9345B28-922B-4261-9445-2418BC64CAF9}" destId="{1F288624-896E-4129-A9F8-9C8EDF27E906}" srcOrd="1" destOrd="0" parTransId="{EDA7B388-1757-4C0A-95ED-E2E4CE32D2E9}" sibTransId="{D0B9AD9D-AF14-4DC5-9AAC-C3D339472AD8}"/>
-    <dgm:cxn modelId="{ECCCD0B6-AFDD-4CDF-A529-E842A3C25B65}" type="presOf" srcId="{6AEBC7A1-05B1-4864-AF9A-F5E59A3AB510}" destId="{6C2DDD47-2A38-43E6-8688-30F114C7CC26}" srcOrd="0" destOrd="2" presId="urn:microsoft.com/office/officeart/2005/8/layout/pList1"/>
-    <dgm:cxn modelId="{CF105248-64BA-4470-B1FA-D1162137B2E4}" type="presOf" srcId="{9A1C4B96-5034-4C51-B8B8-F370C3EB80D6}" destId="{46EC1C66-59C4-46B9-952B-7159CD8D7A40}" srcOrd="0" destOrd="0" presId="urn:microsoft.com/office/officeart/2005/8/layout/pList1"/>
-    <dgm:cxn modelId="{FE31F4B9-2A1C-4CAB-8BF6-1ED84E0D82CE}" srcId="{A9345B28-922B-4261-9445-2418BC64CAF9}" destId="{6B63AD7E-428A-4F1E-A9F4-C0DECAEE614A}" srcOrd="0" destOrd="0" parTransId="{2899D8B4-6298-4D6E-90F3-8EC1FE7D5EBD}" sibTransId="{FD714405-05F6-402C-8F30-BC99FC285A9D}"/>
     <dgm:cxn modelId="{BBD244AF-E7A4-4EBA-ACB3-443F319D281F}" type="presParOf" srcId="{C968BC62-B4D5-4D0F-AD13-9CD5CD0B4629}" destId="{10FC1BE0-7249-4F68-A071-784E4174B553}" srcOrd="0" destOrd="0" presId="urn:microsoft.com/office/officeart/2005/8/layout/pList1"/>
     <dgm:cxn modelId="{36CDC843-B9B9-43BF-86C7-3C05F3A2584B}" type="presParOf" srcId="{10FC1BE0-7249-4F68-A071-784E4174B553}" destId="{AA46BD10-4E7A-4BBF-9502-31E5048C60AE}" srcOrd="0" destOrd="0" presId="urn:microsoft.com/office/officeart/2005/8/layout/pList1"/>
     <dgm:cxn modelId="{E50CA595-B749-44BE-AB2D-4AEFAB90DCBC}" type="presParOf" srcId="{10FC1BE0-7249-4F68-A071-784E4174B553}" destId="{E66C5A20-5528-4CE0-B3D4-125745633157}" srcOrd="1" destOrd="0" presId="urn:microsoft.com/office/officeart/2005/8/layout/pList1"/>
@@ -3314,7 +3338,7 @@
           <a:p>
             <a:fld id="{5BBEAD13-0566-4C6C-97E7-55F17F24B09F}" type="datetimeFigureOut">
               <a:rPr lang="zh-TW" altLang="en-US" smtClean="0"/>
-              <a:t>2015/9/20</a:t>
+              <a:t>2015/9/21</a:t>
             </a:fld>
             <a:endParaRPr lang="zh-TW" altLang="en-US"/>
           </a:p>
@@ -3479,7 +3503,7 @@
           <a:p>
             <a:fld id="{5BBEAD13-0566-4C6C-97E7-55F17F24B09F}" type="datetimeFigureOut">
               <a:rPr lang="zh-TW" altLang="en-US" smtClean="0"/>
-              <a:t>2015/9/20</a:t>
+              <a:t>2015/9/21</a:t>
             </a:fld>
             <a:endParaRPr lang="zh-TW" altLang="en-US"/>
           </a:p>
@@ -3654,7 +3678,7 @@
           <a:p>
             <a:fld id="{5BBEAD13-0566-4C6C-97E7-55F17F24B09F}" type="datetimeFigureOut">
               <a:rPr lang="zh-TW" altLang="en-US" smtClean="0"/>
-              <a:t>2015/9/20</a:t>
+              <a:t>2015/9/21</a:t>
             </a:fld>
             <a:endParaRPr lang="zh-TW" altLang="en-US"/>
           </a:p>
@@ -3819,7 +3843,7 @@
           <a:p>
             <a:fld id="{5BBEAD13-0566-4C6C-97E7-55F17F24B09F}" type="datetimeFigureOut">
               <a:rPr lang="zh-TW" altLang="en-US" smtClean="0"/>
-              <a:t>2015/9/20</a:t>
+              <a:t>2015/9/21</a:t>
             </a:fld>
             <a:endParaRPr lang="zh-TW" altLang="en-US"/>
           </a:p>
@@ -4060,7 +4084,7 @@
           <a:p>
             <a:fld id="{5BBEAD13-0566-4C6C-97E7-55F17F24B09F}" type="datetimeFigureOut">
               <a:rPr lang="zh-TW" altLang="en-US" smtClean="0"/>
-              <a:t>2015/9/20</a:t>
+              <a:t>2015/9/21</a:t>
             </a:fld>
             <a:endParaRPr lang="zh-TW" altLang="en-US"/>
           </a:p>
@@ -4343,7 +4367,7 @@
           <a:p>
             <a:fld id="{5BBEAD13-0566-4C6C-97E7-55F17F24B09F}" type="datetimeFigureOut">
               <a:rPr lang="zh-TW" altLang="en-US" smtClean="0"/>
-              <a:t>2015/9/20</a:t>
+              <a:t>2015/9/21</a:t>
             </a:fld>
             <a:endParaRPr lang="zh-TW" altLang="en-US"/>
           </a:p>
@@ -4760,7 +4784,7 @@
           <a:p>
             <a:fld id="{5BBEAD13-0566-4C6C-97E7-55F17F24B09F}" type="datetimeFigureOut">
               <a:rPr lang="zh-TW" altLang="en-US" smtClean="0"/>
-              <a:t>2015/9/20</a:t>
+              <a:t>2015/9/21</a:t>
             </a:fld>
             <a:endParaRPr lang="zh-TW" altLang="en-US"/>
           </a:p>
@@ -4873,7 +4897,7 @@
           <a:p>
             <a:fld id="{5BBEAD13-0566-4C6C-97E7-55F17F24B09F}" type="datetimeFigureOut">
               <a:rPr lang="zh-TW" altLang="en-US" smtClean="0"/>
-              <a:t>2015/9/20</a:t>
+              <a:t>2015/9/21</a:t>
             </a:fld>
             <a:endParaRPr lang="zh-TW" altLang="en-US"/>
           </a:p>
@@ -4963,7 +4987,7 @@
           <a:p>
             <a:fld id="{5BBEAD13-0566-4C6C-97E7-55F17F24B09F}" type="datetimeFigureOut">
               <a:rPr lang="zh-TW" altLang="en-US" smtClean="0"/>
-              <a:t>2015/9/20</a:t>
+              <a:t>2015/9/21</a:t>
             </a:fld>
             <a:endParaRPr lang="zh-TW" altLang="en-US"/>
           </a:p>
@@ -5235,7 +5259,7 @@
           <a:p>
             <a:fld id="{5BBEAD13-0566-4C6C-97E7-55F17F24B09F}" type="datetimeFigureOut">
               <a:rPr lang="zh-TW" altLang="en-US" smtClean="0"/>
-              <a:t>2015/9/20</a:t>
+              <a:t>2015/9/21</a:t>
             </a:fld>
             <a:endParaRPr lang="zh-TW" altLang="en-US"/>
           </a:p>
@@ -5483,7 +5507,7 @@
           <a:p>
             <a:fld id="{5BBEAD13-0566-4C6C-97E7-55F17F24B09F}" type="datetimeFigureOut">
               <a:rPr lang="zh-TW" altLang="en-US" smtClean="0"/>
-              <a:t>2015/9/20</a:t>
+              <a:t>2015/9/21</a:t>
             </a:fld>
             <a:endParaRPr lang="zh-TW" altLang="en-US"/>
           </a:p>
@@ -5691,7 +5715,7 @@
           <a:p>
             <a:fld id="{5BBEAD13-0566-4C6C-97E7-55F17F24B09F}" type="datetimeFigureOut">
               <a:rPr lang="zh-TW" altLang="en-US" smtClean="0"/>
-              <a:t>2015/9/20</a:t>
+              <a:t>2015/9/21</a:t>
             </a:fld>
             <a:endParaRPr lang="zh-TW" altLang="en-US"/>
           </a:p>
@@ -8186,6 +8210,794 @@
       </p:grpSpPr>
       <p:sp>
         <p:nvSpPr>
+          <p:cNvPr id="3" name="TextBox 2"/>
+          <p:cNvSpPr txBox="1"/>
+          <p:nvPr/>
+        </p:nvSpPr>
+        <p:spPr>
+          <a:xfrm>
+            <a:off x="1475656" y="0"/>
+            <a:ext cx="7488832" cy="861774"/>
+          </a:xfrm>
+          <a:prstGeom prst="rect">
+            <a:avLst/>
+          </a:prstGeom>
+          <a:noFill/>
+        </p:spPr>
+        <p:txBody>
+          <a:bodyPr wrap="square" rtlCol="0">
+            <a:spAutoFit/>
+          </a:bodyPr>
+          <a:lstStyle/>
+          <a:p>
+            <a:pPr algn="r"/>
+            <a:r>
+              <a:rPr lang="en-US" sz="5000" b="1" dirty="0" smtClean="0"/>
+              <a:t>HDMA </a:t>
+            </a:r>
+            <a:r>
+              <a:rPr lang="en-US" sz="5000" b="1" dirty="0" smtClean="0"/>
+              <a:t>Apps-SMART</a:t>
+            </a:r>
+            <a:endParaRPr lang="en-US" sz="5000" b="1" dirty="0"/>
+          </a:p>
+        </p:txBody>
+      </p:sp>
+      <p:sp>
+        <p:nvSpPr>
+          <p:cNvPr id="5" name="Rectangle 4"/>
+          <p:cNvSpPr/>
+          <p:nvPr/>
+        </p:nvSpPr>
+        <p:spPr>
+          <a:xfrm>
+            <a:off x="899592" y="1528916"/>
+            <a:ext cx="5534015" cy="1107996"/>
+          </a:xfrm>
+          <a:prstGeom prst="rect">
+            <a:avLst/>
+          </a:prstGeom>
+        </p:spPr>
+        <p:txBody>
+          <a:bodyPr wrap="none">
+            <a:spAutoFit/>
+          </a:bodyPr>
+          <a:lstStyle/>
+          <a:p>
+            <a:r>
+              <a:rPr lang="en-US" sz="2200" dirty="0" smtClean="0">
+                <a:hlinkClick r:id="rId2"/>
+              </a:rPr>
+              <a:t>https</a:t>
+            </a:r>
+            <a:r>
+              <a:rPr lang="en-US" sz="2200" dirty="0">
+                <a:hlinkClick r:id="rId2"/>
+              </a:rPr>
+              <a:t>://</a:t>
+            </a:r>
+            <a:r>
+              <a:rPr lang="en-US" sz="2200" dirty="0" smtClean="0">
+                <a:hlinkClick r:id="rId2"/>
+              </a:rPr>
+              <a:t>api.twitter.com/1.1/search/tweets.json</a:t>
+            </a:r>
+            <a:endParaRPr lang="en-US" sz="2200" dirty="0" smtClean="0"/>
+          </a:p>
+          <a:p>
+            <a:endParaRPr lang="en-US" sz="2200" dirty="0"/>
+          </a:p>
+          <a:p>
+            <a:endParaRPr lang="en-US" sz="2200" dirty="0"/>
+          </a:p>
+        </p:txBody>
+      </p:sp>
+      <p:graphicFrame>
+        <p:nvGraphicFramePr>
+          <p:cNvPr id="6" name="Table 5"/>
+          <p:cNvGraphicFramePr>
+            <a:graphicFrameLocks noGrp="1"/>
+          </p:cNvGraphicFramePr>
+          <p:nvPr>
+            <p:extLst>
+              <p:ext uri="{D42A27DB-BD31-4B8C-83A1-F6EECF244321}">
+                <p14:modId xmlns:p14="http://schemas.microsoft.com/office/powerpoint/2010/main" val="1296265089"/>
+              </p:ext>
+            </p:extLst>
+          </p:nvPr>
+        </p:nvGraphicFramePr>
+        <p:xfrm>
+          <a:off x="899592" y="2420888"/>
+          <a:ext cx="7272380" cy="2880320"/>
+        </p:xfrm>
+        <a:graphic>
+          <a:graphicData uri="http://schemas.openxmlformats.org/drawingml/2006/table">
+            <a:tbl>
+              <a:tblPr firstRow="1" bandRow="1">
+                <a:tableStyleId>{5C22544A-7EE6-4342-B048-85BDC9FD1C3A}</a:tableStyleId>
+              </a:tblPr>
+              <a:tblGrid>
+                <a:gridCol w="1944216"/>
+                <a:gridCol w="5328164"/>
+              </a:tblGrid>
+              <a:tr h="720080">
+                <a:tc>
+                  <a:txBody>
+                    <a:bodyPr/>
+                    <a:lstStyle/>
+                    <a:p>
+                      <a:r>
+                        <a:rPr lang="en-US" sz="2000" dirty="0" smtClean="0"/>
+                        <a:t>Parameters</a:t>
+                      </a:r>
+                      <a:endParaRPr lang="en-US" sz="2000" dirty="0"/>
+                    </a:p>
+                  </a:txBody>
+                  <a:tcPr/>
+                </a:tc>
+                <a:tc>
+                  <a:txBody>
+                    <a:bodyPr/>
+                    <a:lstStyle/>
+                    <a:p>
+                      <a:r>
+                        <a:rPr lang="en-US" sz="2000" dirty="0" smtClean="0"/>
+                        <a:t>Description</a:t>
+                      </a:r>
+                      <a:endParaRPr lang="en-US" sz="2000" dirty="0"/>
+                    </a:p>
+                  </a:txBody>
+                  <a:tcPr/>
+                </a:tc>
+              </a:tr>
+              <a:tr h="720080">
+                <a:tc>
+                  <a:txBody>
+                    <a:bodyPr/>
+                    <a:lstStyle/>
+                    <a:p>
+                      <a:r>
+                        <a:rPr lang="en-US" sz="2000" dirty="0" smtClean="0"/>
+                        <a:t>q</a:t>
+                      </a:r>
+                      <a:endParaRPr lang="en-US" sz="2000" dirty="0"/>
+                    </a:p>
+                  </a:txBody>
+                  <a:tcPr/>
+                </a:tc>
+                <a:tc>
+                  <a:txBody>
+                    <a:bodyPr/>
+                    <a:lstStyle/>
+                    <a:p>
+                      <a:r>
+                        <a:rPr lang="en-US" sz="2000" dirty="0" smtClean="0"/>
+                        <a:t>Keywords under each topic</a:t>
+                      </a:r>
+                      <a:endParaRPr lang="en-US" sz="2000" dirty="0"/>
+                    </a:p>
+                  </a:txBody>
+                  <a:tcPr/>
+                </a:tc>
+              </a:tr>
+              <a:tr h="720080">
+                <a:tc>
+                  <a:txBody>
+                    <a:bodyPr/>
+                    <a:lstStyle/>
+                    <a:p>
+                      <a:r>
+                        <a:rPr lang="en-US" sz="2000" dirty="0" smtClean="0"/>
+                        <a:t>geocode</a:t>
+                      </a:r>
+                      <a:endParaRPr lang="en-US" sz="2000" dirty="0"/>
+                    </a:p>
+                  </a:txBody>
+                  <a:tcPr/>
+                </a:tc>
+                <a:tc>
+                  <a:txBody>
+                    <a:bodyPr/>
+                    <a:lstStyle/>
+                    <a:p>
+                      <a:r>
+                        <a:rPr lang="en-US" sz="2000" dirty="0" smtClean="0"/>
+                        <a:t>Before 11/20/2014</a:t>
+                      </a:r>
+                      <a:endParaRPr lang="en-US" sz="2000" dirty="0"/>
+                    </a:p>
+                  </a:txBody>
+                  <a:tcPr/>
+                </a:tc>
+              </a:tr>
+              <a:tr h="720080">
+                <a:tc>
+                  <a:txBody>
+                    <a:bodyPr/>
+                    <a:lstStyle/>
+                    <a:p>
+                      <a:r>
+                        <a:rPr lang="en-US" sz="2000" dirty="0" err="1" smtClean="0"/>
+                        <a:t>Since_id</a:t>
+                      </a:r>
+                      <a:endParaRPr lang="en-US" sz="2000" dirty="0"/>
+                    </a:p>
+                  </a:txBody>
+                  <a:tcPr/>
+                </a:tc>
+                <a:tc>
+                  <a:txBody>
+                    <a:bodyPr/>
+                    <a:lstStyle/>
+                    <a:p>
+                      <a:r>
+                        <a:rPr lang="en-US" sz="2000" b="0" i="0" kern="1200" dirty="0" smtClean="0">
+                          <a:solidFill>
+                            <a:schemeClr val="dk1"/>
+                          </a:solidFill>
+                          <a:effectLst/>
+                          <a:latin typeface="+mn-lt"/>
+                          <a:ea typeface="+mn-ea"/>
+                          <a:cs typeface="+mn-cs"/>
+                        </a:rPr>
+                        <a:t>Returns results with an ID greater than (that is, more recent than) the specified ID. </a:t>
+                      </a:r>
+                      <a:endParaRPr lang="en-US" sz="2000" dirty="0"/>
+                    </a:p>
+                  </a:txBody>
+                  <a:tcPr/>
+                </a:tc>
+              </a:tr>
+            </a:tbl>
+          </a:graphicData>
+        </a:graphic>
+      </p:graphicFrame>
+      <p:sp>
+        <p:nvSpPr>
+          <p:cNvPr id="7" name="Rectangle 6"/>
+          <p:cNvSpPr/>
+          <p:nvPr/>
+        </p:nvSpPr>
+        <p:spPr>
+          <a:xfrm>
+            <a:off x="899592" y="1124744"/>
+            <a:ext cx="2334485" cy="430887"/>
+          </a:xfrm>
+          <a:prstGeom prst="rect">
+            <a:avLst/>
+          </a:prstGeom>
+        </p:spPr>
+        <p:txBody>
+          <a:bodyPr wrap="none">
+            <a:spAutoFit/>
+          </a:bodyPr>
+          <a:lstStyle/>
+          <a:p>
+            <a:r>
+              <a:rPr lang="en-US" sz="2200" b="1" dirty="0" smtClean="0"/>
+              <a:t>Twitter Search API</a:t>
+            </a:r>
+            <a:endParaRPr lang="en-US" sz="2200" b="1" dirty="0"/>
+          </a:p>
+        </p:txBody>
+      </p:sp>
+    </p:spTree>
+    <p:extLst>
+      <p:ext uri="{BB962C8B-B14F-4D97-AF65-F5344CB8AC3E}">
+        <p14:creationId xmlns:p14="http://schemas.microsoft.com/office/powerpoint/2010/main" val="1066315116"/>
+      </p:ext>
+    </p:extLst>
+  </p:cSld>
+  <p:clrMapOvr>
+    <a:masterClrMapping/>
+  </p:clrMapOvr>
+  <p:timing>
+    <p:tnLst>
+      <p:par>
+        <p:cTn id="1" dur="indefinite" restart="never" nodeType="tmRoot"/>
+      </p:par>
+    </p:tnLst>
+  </p:timing>
+</p:sld>
+</file>
+
+<file path=ppt/slides/slide23.xml><?xml version="1.0" encoding="utf-8"?>
+<p:sld xmlns:a="http://schemas.openxmlformats.org/drawingml/2006/main" xmlns:r="http://schemas.openxmlformats.org/officeDocument/2006/relationships" xmlns:p="http://schemas.openxmlformats.org/presentationml/2006/main">
+  <p:cSld>
+    <p:spTree>
+      <p:nvGrpSpPr>
+        <p:cNvPr id="1" name=""/>
+        <p:cNvGrpSpPr/>
+        <p:nvPr/>
+      </p:nvGrpSpPr>
+      <p:grpSpPr>
+        <a:xfrm>
+          <a:off x="0" y="0"/>
+          <a:ext cx="0" cy="0"/>
+          <a:chOff x="0" y="0"/>
+          <a:chExt cx="0" cy="0"/>
+        </a:xfrm>
+      </p:grpSpPr>
+      <p:sp>
+        <p:nvSpPr>
+          <p:cNvPr id="3" name="TextBox 2"/>
+          <p:cNvSpPr txBox="1"/>
+          <p:nvPr/>
+        </p:nvSpPr>
+        <p:spPr>
+          <a:xfrm>
+            <a:off x="1475656" y="0"/>
+            <a:ext cx="7488832" cy="861774"/>
+          </a:xfrm>
+          <a:prstGeom prst="rect">
+            <a:avLst/>
+          </a:prstGeom>
+          <a:noFill/>
+        </p:spPr>
+        <p:txBody>
+          <a:bodyPr wrap="square" rtlCol="0">
+            <a:spAutoFit/>
+          </a:bodyPr>
+          <a:lstStyle/>
+          <a:p>
+            <a:pPr algn="r"/>
+            <a:r>
+              <a:rPr lang="en-US" sz="5000" b="1" dirty="0" smtClean="0"/>
+              <a:t>HDMA </a:t>
+            </a:r>
+            <a:r>
+              <a:rPr lang="en-US" sz="5000" b="1" dirty="0" smtClean="0"/>
+              <a:t>Apps-</a:t>
+            </a:r>
+            <a:r>
+              <a:rPr lang="en-US" sz="5000" b="1" dirty="0" err="1" smtClean="0"/>
+              <a:t>GeoViewer</a:t>
+            </a:r>
+            <a:endParaRPr lang="en-US" sz="5000" b="1" dirty="0"/>
+          </a:p>
+        </p:txBody>
+      </p:sp>
+      <p:sp>
+        <p:nvSpPr>
+          <p:cNvPr id="5" name="Rectangle 4"/>
+          <p:cNvSpPr/>
+          <p:nvPr/>
+        </p:nvSpPr>
+        <p:spPr>
+          <a:xfrm>
+            <a:off x="899592" y="1476653"/>
+            <a:ext cx="6426824" cy="800219"/>
+          </a:xfrm>
+          <a:prstGeom prst="rect">
+            <a:avLst/>
+          </a:prstGeom>
+        </p:spPr>
+        <p:txBody>
+          <a:bodyPr wrap="none">
+            <a:spAutoFit/>
+          </a:bodyPr>
+          <a:lstStyle/>
+          <a:p>
+            <a:r>
+              <a:rPr lang="en-US" sz="2400" dirty="0">
+                <a:hlinkClick r:id="rId2"/>
+              </a:rPr>
+              <a:t>https://</a:t>
+            </a:r>
+            <a:r>
+              <a:rPr lang="en-US" sz="2400" dirty="0" smtClean="0">
+                <a:hlinkClick r:id="rId2"/>
+              </a:rPr>
+              <a:t>stream.twitter.com/1.1/statuses/filter.json</a:t>
+            </a:r>
+            <a:endParaRPr lang="en-US" sz="2400" dirty="0" smtClean="0"/>
+          </a:p>
+          <a:p>
+            <a:endParaRPr lang="en-US" sz="2200" dirty="0"/>
+          </a:p>
+        </p:txBody>
+      </p:sp>
+      <p:graphicFrame>
+        <p:nvGraphicFramePr>
+          <p:cNvPr id="6" name="Table 5"/>
+          <p:cNvGraphicFramePr>
+            <a:graphicFrameLocks noGrp="1"/>
+          </p:cNvGraphicFramePr>
+          <p:nvPr>
+            <p:extLst>
+              <p:ext uri="{D42A27DB-BD31-4B8C-83A1-F6EECF244321}">
+                <p14:modId xmlns:p14="http://schemas.microsoft.com/office/powerpoint/2010/main" val="3163395084"/>
+              </p:ext>
+            </p:extLst>
+          </p:nvPr>
+        </p:nvGraphicFramePr>
+        <p:xfrm>
+          <a:off x="899592" y="2420888"/>
+          <a:ext cx="7272380" cy="1440160"/>
+        </p:xfrm>
+        <a:graphic>
+          <a:graphicData uri="http://schemas.openxmlformats.org/drawingml/2006/table">
+            <a:tbl>
+              <a:tblPr firstRow="1" bandRow="1">
+                <a:tableStyleId>{5C22544A-7EE6-4342-B048-85BDC9FD1C3A}</a:tableStyleId>
+              </a:tblPr>
+              <a:tblGrid>
+                <a:gridCol w="1944216"/>
+                <a:gridCol w="5328164"/>
+              </a:tblGrid>
+              <a:tr h="720080">
+                <a:tc>
+                  <a:txBody>
+                    <a:bodyPr/>
+                    <a:lstStyle/>
+                    <a:p>
+                      <a:r>
+                        <a:rPr lang="en-US" sz="2000" dirty="0" smtClean="0"/>
+                        <a:t>Parameters</a:t>
+                      </a:r>
+                      <a:endParaRPr lang="en-US" sz="2000" dirty="0"/>
+                    </a:p>
+                  </a:txBody>
+                  <a:tcPr/>
+                </a:tc>
+                <a:tc>
+                  <a:txBody>
+                    <a:bodyPr/>
+                    <a:lstStyle/>
+                    <a:p>
+                      <a:r>
+                        <a:rPr lang="en-US" sz="2000" dirty="0" smtClean="0"/>
+                        <a:t>Description</a:t>
+                      </a:r>
+                      <a:endParaRPr lang="en-US" sz="2000" dirty="0"/>
+                    </a:p>
+                  </a:txBody>
+                  <a:tcPr/>
+                </a:tc>
+              </a:tr>
+              <a:tr h="720080">
+                <a:tc>
+                  <a:txBody>
+                    <a:bodyPr/>
+                    <a:lstStyle/>
+                    <a:p>
+                      <a:r>
+                        <a:rPr lang="en-US" sz="2000" dirty="0" smtClean="0"/>
+                        <a:t>locations</a:t>
+                      </a:r>
+                      <a:endParaRPr lang="en-US" sz="2000" dirty="0"/>
+                    </a:p>
+                  </a:txBody>
+                  <a:tcPr/>
+                </a:tc>
+                <a:tc>
+                  <a:txBody>
+                    <a:bodyPr/>
+                    <a:lstStyle/>
+                    <a:p>
+                      <a:r>
+                        <a:rPr lang="en-US" sz="2000" dirty="0" smtClean="0"/>
+                        <a:t>For</a:t>
+                      </a:r>
+                      <a:r>
+                        <a:rPr lang="en-US" sz="2000" baseline="0" dirty="0" smtClean="0"/>
+                        <a:t> example: San Diego, Cleveland, Kathmandu (Nepal), Tokyo (Japan)</a:t>
+                      </a:r>
+                      <a:endParaRPr lang="en-US" sz="2000" dirty="0"/>
+                    </a:p>
+                  </a:txBody>
+                  <a:tcPr/>
+                </a:tc>
+              </a:tr>
+            </a:tbl>
+          </a:graphicData>
+        </a:graphic>
+      </p:graphicFrame>
+      <p:sp>
+        <p:nvSpPr>
+          <p:cNvPr id="7" name="Rectangle 6"/>
+          <p:cNvSpPr/>
+          <p:nvPr/>
+        </p:nvSpPr>
+        <p:spPr>
+          <a:xfrm>
+            <a:off x="899592" y="1124744"/>
+            <a:ext cx="2745688" cy="430887"/>
+          </a:xfrm>
+          <a:prstGeom prst="rect">
+            <a:avLst/>
+          </a:prstGeom>
+        </p:spPr>
+        <p:txBody>
+          <a:bodyPr wrap="none">
+            <a:spAutoFit/>
+          </a:bodyPr>
+          <a:lstStyle/>
+          <a:p>
+            <a:r>
+              <a:rPr lang="en-US" sz="2200" b="1" dirty="0" smtClean="0"/>
+              <a:t>Twitter Streaming API</a:t>
+            </a:r>
+            <a:endParaRPr lang="en-US" sz="2200" b="1" dirty="0"/>
+          </a:p>
+        </p:txBody>
+      </p:sp>
+    </p:spTree>
+    <p:extLst>
+      <p:ext uri="{BB962C8B-B14F-4D97-AF65-F5344CB8AC3E}">
+        <p14:creationId xmlns:p14="http://schemas.microsoft.com/office/powerpoint/2010/main" val="2149178025"/>
+      </p:ext>
+    </p:extLst>
+  </p:cSld>
+  <p:clrMapOvr>
+    <a:masterClrMapping/>
+  </p:clrMapOvr>
+  <p:timing>
+    <p:tnLst>
+      <p:par>
+        <p:cTn id="1" dur="indefinite" restart="never" nodeType="tmRoot"/>
+      </p:par>
+    </p:tnLst>
+  </p:timing>
+</p:sld>
+</file>
+
+<file path=ppt/slides/slide24.xml><?xml version="1.0" encoding="utf-8"?>
+<p:sld xmlns:a="http://schemas.openxmlformats.org/drawingml/2006/main" xmlns:r="http://schemas.openxmlformats.org/officeDocument/2006/relationships" xmlns:p="http://schemas.openxmlformats.org/presentationml/2006/main">
+  <p:cSld>
+    <p:spTree>
+      <p:nvGrpSpPr>
+        <p:cNvPr id="1" name=""/>
+        <p:cNvGrpSpPr/>
+        <p:nvPr/>
+      </p:nvGrpSpPr>
+      <p:grpSpPr>
+        <a:xfrm>
+          <a:off x="0" y="0"/>
+          <a:ext cx="0" cy="0"/>
+          <a:chOff x="0" y="0"/>
+          <a:chExt cx="0" cy="0"/>
+        </a:xfrm>
+      </p:grpSpPr>
+      <p:sp>
+        <p:nvSpPr>
+          <p:cNvPr id="3" name="TextBox 2"/>
+          <p:cNvSpPr txBox="1"/>
+          <p:nvPr/>
+        </p:nvSpPr>
+        <p:spPr>
+          <a:xfrm>
+            <a:off x="1475656" y="0"/>
+            <a:ext cx="7488832" cy="861774"/>
+          </a:xfrm>
+          <a:prstGeom prst="rect">
+            <a:avLst/>
+          </a:prstGeom>
+          <a:noFill/>
+        </p:spPr>
+        <p:txBody>
+          <a:bodyPr wrap="square" rtlCol="0">
+            <a:spAutoFit/>
+          </a:bodyPr>
+          <a:lstStyle/>
+          <a:p>
+            <a:pPr algn="r"/>
+            <a:r>
+              <a:rPr lang="en-US" sz="5000" b="1" dirty="0" smtClean="0"/>
+              <a:t>HDMA </a:t>
+            </a:r>
+            <a:r>
+              <a:rPr lang="en-US" sz="5000" b="1" dirty="0" smtClean="0"/>
+              <a:t>Apps-Volunteer App</a:t>
+            </a:r>
+            <a:endParaRPr lang="en-US" sz="5000" b="1" dirty="0"/>
+          </a:p>
+        </p:txBody>
+      </p:sp>
+      <p:graphicFrame>
+        <p:nvGraphicFramePr>
+          <p:cNvPr id="6" name="Table 5"/>
+          <p:cNvGraphicFramePr>
+            <a:graphicFrameLocks noGrp="1"/>
+          </p:cNvGraphicFramePr>
+          <p:nvPr>
+            <p:extLst>
+              <p:ext uri="{D42A27DB-BD31-4B8C-83A1-F6EECF244321}">
+                <p14:modId xmlns:p14="http://schemas.microsoft.com/office/powerpoint/2010/main" val="66676227"/>
+              </p:ext>
+            </p:extLst>
+          </p:nvPr>
+        </p:nvGraphicFramePr>
+        <p:xfrm>
+          <a:off x="899592" y="2348880"/>
+          <a:ext cx="7272380" cy="1440160"/>
+        </p:xfrm>
+        <a:graphic>
+          <a:graphicData uri="http://schemas.openxmlformats.org/drawingml/2006/table">
+            <a:tbl>
+              <a:tblPr firstRow="1" bandRow="1">
+                <a:tableStyleId>{5C22544A-7EE6-4342-B048-85BDC9FD1C3A}</a:tableStyleId>
+              </a:tblPr>
+              <a:tblGrid>
+                <a:gridCol w="1944216"/>
+                <a:gridCol w="5328164"/>
+              </a:tblGrid>
+              <a:tr h="720080">
+                <a:tc>
+                  <a:txBody>
+                    <a:bodyPr/>
+                    <a:lstStyle/>
+                    <a:p>
+                      <a:r>
+                        <a:rPr lang="en-US" sz="2000" dirty="0" smtClean="0"/>
+                        <a:t>Parameters</a:t>
+                      </a:r>
+                      <a:endParaRPr lang="en-US" sz="2000" dirty="0"/>
+                    </a:p>
+                  </a:txBody>
+                  <a:tcPr/>
+                </a:tc>
+                <a:tc>
+                  <a:txBody>
+                    <a:bodyPr/>
+                    <a:lstStyle/>
+                    <a:p>
+                      <a:r>
+                        <a:rPr lang="en-US" sz="2000" dirty="0" smtClean="0"/>
+                        <a:t>Description</a:t>
+                      </a:r>
+                      <a:endParaRPr lang="en-US" sz="2000" dirty="0"/>
+                    </a:p>
+                  </a:txBody>
+                  <a:tcPr/>
+                </a:tc>
+              </a:tr>
+              <a:tr h="720080">
+                <a:tc>
+                  <a:txBody>
+                    <a:bodyPr/>
+                    <a:lstStyle/>
+                    <a:p>
+                      <a:r>
+                        <a:rPr lang="en-US" sz="2000" dirty="0" smtClean="0"/>
+                        <a:t>follow</a:t>
+                      </a:r>
+                      <a:endParaRPr lang="en-US" sz="2000" dirty="0"/>
+                    </a:p>
+                  </a:txBody>
+                  <a:tcPr/>
+                </a:tc>
+                <a:tc>
+                  <a:txBody>
+                    <a:bodyPr/>
+                    <a:lstStyle/>
+                    <a:p>
+                      <a:r>
+                        <a:rPr lang="en-US" sz="2000" dirty="0" smtClean="0"/>
+                        <a:t>@</a:t>
+                      </a:r>
+                      <a:r>
+                        <a:rPr lang="en-US" sz="2000" dirty="0" err="1" smtClean="0"/>
+                        <a:t>ReadySanDiego</a:t>
+                      </a:r>
+                      <a:endParaRPr lang="en-US" sz="2000" dirty="0"/>
+                    </a:p>
+                  </a:txBody>
+                  <a:tcPr/>
+                </a:tc>
+              </a:tr>
+            </a:tbl>
+          </a:graphicData>
+        </a:graphic>
+      </p:graphicFrame>
+      <p:sp>
+        <p:nvSpPr>
+          <p:cNvPr id="7" name="Rectangle 6"/>
+          <p:cNvSpPr/>
+          <p:nvPr/>
+        </p:nvSpPr>
+        <p:spPr>
+          <a:xfrm>
+            <a:off x="899592" y="1476653"/>
+            <a:ext cx="6426824" cy="800219"/>
+          </a:xfrm>
+          <a:prstGeom prst="rect">
+            <a:avLst/>
+          </a:prstGeom>
+        </p:spPr>
+        <p:txBody>
+          <a:bodyPr wrap="none">
+            <a:spAutoFit/>
+          </a:bodyPr>
+          <a:lstStyle/>
+          <a:p>
+            <a:r>
+              <a:rPr lang="en-US" sz="2400" dirty="0">
+                <a:hlinkClick r:id="rId2"/>
+              </a:rPr>
+              <a:t>https://</a:t>
+            </a:r>
+            <a:r>
+              <a:rPr lang="en-US" sz="2400" dirty="0" smtClean="0">
+                <a:hlinkClick r:id="rId2"/>
+              </a:rPr>
+              <a:t>stream.twitter.com/1.1/statuses/filter.json</a:t>
+            </a:r>
+            <a:endParaRPr lang="en-US" sz="2400" dirty="0" smtClean="0"/>
+          </a:p>
+          <a:p>
+            <a:endParaRPr lang="en-US" sz="2200" dirty="0"/>
+          </a:p>
+        </p:txBody>
+      </p:sp>
+      <p:sp>
+        <p:nvSpPr>
+          <p:cNvPr id="8" name="Rectangle 7"/>
+          <p:cNvSpPr/>
+          <p:nvPr/>
+        </p:nvSpPr>
+        <p:spPr>
+          <a:xfrm>
+            <a:off x="899592" y="1124744"/>
+            <a:ext cx="2745688" cy="430887"/>
+          </a:xfrm>
+          <a:prstGeom prst="rect">
+            <a:avLst/>
+          </a:prstGeom>
+        </p:spPr>
+        <p:txBody>
+          <a:bodyPr wrap="none">
+            <a:spAutoFit/>
+          </a:bodyPr>
+          <a:lstStyle/>
+          <a:p>
+            <a:r>
+              <a:rPr lang="en-US" sz="2200" b="1" dirty="0" smtClean="0"/>
+              <a:t>Twitter Streaming API</a:t>
+            </a:r>
+            <a:endParaRPr lang="en-US" sz="2200" b="1" dirty="0"/>
+          </a:p>
+        </p:txBody>
+      </p:sp>
+    </p:spTree>
+    <p:extLst>
+      <p:ext uri="{BB962C8B-B14F-4D97-AF65-F5344CB8AC3E}">
+        <p14:creationId xmlns:p14="http://schemas.microsoft.com/office/powerpoint/2010/main" val="3901411500"/>
+      </p:ext>
+    </p:extLst>
+  </p:cSld>
+  <p:clrMapOvr>
+    <a:masterClrMapping/>
+  </p:clrMapOvr>
+  <p:timing>
+    <p:tnLst>
+      <p:par>
+        <p:cTn id="1" dur="indefinite" restart="never" nodeType="tmRoot"/>
+      </p:par>
+    </p:tnLst>
+  </p:timing>
+</p:sld>
+</file>
+
+<file path=ppt/slides/slide25.xml><?xml version="1.0" encoding="utf-8"?>
+<p:sld xmlns:a="http://schemas.openxmlformats.org/drawingml/2006/main" xmlns:r="http://schemas.openxmlformats.org/officeDocument/2006/relationships" xmlns:p="http://schemas.openxmlformats.org/presentationml/2006/main">
+  <p:cSld>
+    <p:spTree>
+      <p:nvGrpSpPr>
+        <p:cNvPr id="1" name=""/>
+        <p:cNvGrpSpPr/>
+        <p:nvPr/>
+      </p:nvGrpSpPr>
+      <p:grpSpPr>
+        <a:xfrm>
+          <a:off x="0" y="0"/>
+          <a:ext cx="0" cy="0"/>
+          <a:chOff x="0" y="0"/>
+          <a:chExt cx="0" cy="0"/>
+        </a:xfrm>
+      </p:grpSpPr>
+      <p:sp>
+        <p:nvSpPr>
           <p:cNvPr id="2" name="Title 1"/>
           <p:cNvSpPr>
             <a:spLocks noGrp="1"/>
@@ -8958,7 +9770,6 @@
               <a:rPr lang="en-US" sz="3600" b="1" dirty="0"/>
               <a:t>SOAP: Simple Object Architecture Protocol</a:t>
             </a:r>
-            <a:endParaRPr lang="en-US" sz="3600" b="1" dirty="0"/>
           </a:p>
         </p:txBody>
       </p:sp>
